--- a/Fase 1/Evidencias Grupales/Proyecto JobSy.pptx
+++ b/Fase 1/Evidencias Grupales/Proyecto JobSy.pptx
@@ -11,7 +11,14 @@
     <p:sldId id="260" r:id="rId5"/>
     <p:sldId id="258" r:id="rId6"/>
     <p:sldId id="261" r:id="rId7"/>
-    <p:sldId id="262" r:id="rId8"/>
+    <p:sldId id="263" r:id="rId8"/>
+    <p:sldId id="262" r:id="rId9"/>
+    <p:sldId id="268" r:id="rId10"/>
+    <p:sldId id="264" r:id="rId11"/>
+    <p:sldId id="265" r:id="rId12"/>
+    <p:sldId id="266" r:id="rId13"/>
+    <p:sldId id="269" r:id="rId14"/>
+    <p:sldId id="267" r:id="rId15"/>
   </p:sldIdLst>
   <p:sldSz cx="12192000" cy="6858000"/>
   <p:notesSz cx="6858000" cy="9144000"/>
@@ -110,6 +117,11 @@
       </a:defRPr>
     </a:lvl9pPr>
   </p:defaultTextStyle>
+  <p:extLst>
+    <p:ext uri="{EFAFB233-063F-42B5-8137-9DF3F51BA10A}">
+      <p15:sldGuideLst xmlns:p15="http://schemas.microsoft.com/office/powerpoint/2012/main"/>
+    </p:ext>
+  </p:extLst>
 </p:presentation>
 </file>
 
@@ -2918,7 +2930,7 @@
           <a:p>
             <a:fld id="{4CDE23C7-78A4-413A-A84B-93D4CC0A9EB1}" type="datetimeFigureOut">
               <a:rPr lang="en-US" smtClean="0"/>
-              <a:t>9/6/2025</a:t>
+              <a:t>9/12/2025</a:t>
             </a:fld>
             <a:endParaRPr lang="en-US"/>
           </a:p>
@@ -3121,7 +3133,7 @@
           <a:p>
             <a:fld id="{4CDE23C7-78A4-413A-A84B-93D4CC0A9EB1}" type="datetimeFigureOut">
               <a:rPr lang="en-US" smtClean="0"/>
-              <a:t>9/6/2025</a:t>
+              <a:t>9/12/2025</a:t>
             </a:fld>
             <a:endParaRPr lang="en-US"/>
           </a:p>
@@ -3329,7 +3341,7 @@
           <a:p>
             <a:fld id="{4CDE23C7-78A4-413A-A84B-93D4CC0A9EB1}" type="datetimeFigureOut">
               <a:rPr lang="en-US" smtClean="0"/>
-              <a:t>9/6/2025</a:t>
+              <a:t>9/12/2025</a:t>
             </a:fld>
             <a:endParaRPr lang="en-US"/>
           </a:p>
@@ -3527,7 +3539,7 @@
           <a:p>
             <a:fld id="{4CDE23C7-78A4-413A-A84B-93D4CC0A9EB1}" type="datetimeFigureOut">
               <a:rPr lang="en-US" smtClean="0"/>
-              <a:t>9/6/2025</a:t>
+              <a:t>9/12/2025</a:t>
             </a:fld>
             <a:endParaRPr lang="en-US"/>
           </a:p>
@@ -3804,7 +3816,7 @@
           <a:p>
             <a:fld id="{4CDE23C7-78A4-413A-A84B-93D4CC0A9EB1}" type="datetimeFigureOut">
               <a:rPr lang="en-US" smtClean="0"/>
-              <a:t>9/6/2025</a:t>
+              <a:t>9/12/2025</a:t>
             </a:fld>
             <a:endParaRPr lang="en-US"/>
           </a:p>
@@ -4069,7 +4081,7 @@
           <a:p>
             <a:fld id="{4CDE23C7-78A4-413A-A84B-93D4CC0A9EB1}" type="datetimeFigureOut">
               <a:rPr lang="en-US" smtClean="0"/>
-              <a:t>9/6/2025</a:t>
+              <a:t>9/12/2025</a:t>
             </a:fld>
             <a:endParaRPr lang="en-US"/>
           </a:p>
@@ -4485,7 +4497,7 @@
           <a:p>
             <a:fld id="{4CDE23C7-78A4-413A-A84B-93D4CC0A9EB1}" type="datetimeFigureOut">
               <a:rPr lang="en-US" smtClean="0"/>
-              <a:t>9/6/2025</a:t>
+              <a:t>9/12/2025</a:t>
             </a:fld>
             <a:endParaRPr lang="en-US"/>
           </a:p>
@@ -4626,7 +4638,7 @@
           <a:p>
             <a:fld id="{4CDE23C7-78A4-413A-A84B-93D4CC0A9EB1}" type="datetimeFigureOut">
               <a:rPr lang="en-US" smtClean="0"/>
-              <a:t>9/6/2025</a:t>
+              <a:t>9/12/2025</a:t>
             </a:fld>
             <a:endParaRPr lang="en-US"/>
           </a:p>
@@ -4739,7 +4751,7 @@
           <a:p>
             <a:fld id="{4CDE23C7-78A4-413A-A84B-93D4CC0A9EB1}" type="datetimeFigureOut">
               <a:rPr lang="en-US" smtClean="0"/>
-              <a:t>9/6/2025</a:t>
+              <a:t>9/12/2025</a:t>
             </a:fld>
             <a:endParaRPr lang="en-US"/>
           </a:p>
@@ -5050,7 +5062,7 @@
           <a:p>
             <a:fld id="{4CDE23C7-78A4-413A-A84B-93D4CC0A9EB1}" type="datetimeFigureOut">
               <a:rPr lang="en-US" smtClean="0"/>
-              <a:t>9/6/2025</a:t>
+              <a:t>9/12/2025</a:t>
             </a:fld>
             <a:endParaRPr lang="en-US"/>
           </a:p>
@@ -5338,7 +5350,7 @@
           <a:p>
             <a:fld id="{4CDE23C7-78A4-413A-A84B-93D4CC0A9EB1}" type="datetimeFigureOut">
               <a:rPr lang="en-US" smtClean="0"/>
-              <a:t>9/6/2025</a:t>
+              <a:t>9/12/2025</a:t>
             </a:fld>
             <a:endParaRPr lang="en-US"/>
           </a:p>
@@ -5578,7 +5590,7 @@
             <a:fld id="{4CDE23C7-78A4-413A-A84B-93D4CC0A9EB1}" type="datetimeFigureOut">
               <a:rPr lang="en-US" smtClean="0"/>
               <a:pPr/>
-              <a:t>9/6/2025</a:t>
+              <a:t>9/12/2025</a:t>
             </a:fld>
             <a:endParaRPr lang="en-US" dirty="0"/>
           </a:p>
@@ -6433,6 +6445,421 @@
 </p:sld>
 </file>
 
+<file path=ppt/slides/slide10.xml><?xml version="1.0" encoding="utf-8"?>
+<p:sld xmlns:a="http://schemas.openxmlformats.org/drawingml/2006/main" xmlns:r="http://schemas.openxmlformats.org/officeDocument/2006/relationships" xmlns:p="http://schemas.openxmlformats.org/presentationml/2006/main">
+  <p:cSld>
+    <p:spTree>
+      <p:nvGrpSpPr>
+        <p:cNvPr id="1" name=""/>
+        <p:cNvGrpSpPr/>
+        <p:nvPr/>
+      </p:nvGrpSpPr>
+      <p:grpSpPr>
+        <a:xfrm>
+          <a:off x="0" y="0"/>
+          <a:ext cx="0" cy="0"/>
+          <a:chOff x="0" y="0"/>
+          <a:chExt cx="0" cy="0"/>
+        </a:xfrm>
+      </p:grpSpPr>
+      <p:sp>
+        <p:nvSpPr>
+          <p:cNvPr id="2" name="Título 1">
+            <a:extLst>
+              <a:ext uri="{FF2B5EF4-FFF2-40B4-BE49-F238E27FC236}">
+                <a16:creationId xmlns:a16="http://schemas.microsoft.com/office/drawing/2014/main" id="{39530328-112C-AB56-EC51-EA0F365A5804}"/>
+              </a:ext>
+            </a:extLst>
+          </p:cNvPr>
+          <p:cNvSpPr>
+            <a:spLocks noGrp="1"/>
+          </p:cNvSpPr>
+          <p:nvPr>
+            <p:ph type="title"/>
+          </p:nvPr>
+        </p:nvSpPr>
+        <p:spPr/>
+        <p:txBody>
+          <a:bodyPr/>
+          <a:lstStyle/>
+          <a:p>
+            <a:r>
+              <a:rPr lang="es-CL" dirty="0"/>
+              <a:t>ARQUITECTURA</a:t>
+            </a:r>
+          </a:p>
+        </p:txBody>
+      </p:sp>
+      <p:sp>
+        <p:nvSpPr>
+          <p:cNvPr id="3" name="Marcador de contenido 2">
+            <a:extLst>
+              <a:ext uri="{FF2B5EF4-FFF2-40B4-BE49-F238E27FC236}">
+                <a16:creationId xmlns:a16="http://schemas.microsoft.com/office/drawing/2014/main" id="{B8B5B104-5CFB-BDFB-5881-6DDA63CA41CD}"/>
+              </a:ext>
+            </a:extLst>
+          </p:cNvPr>
+          <p:cNvSpPr>
+            <a:spLocks noGrp="1"/>
+          </p:cNvSpPr>
+          <p:nvPr>
+            <p:ph idx="1"/>
+          </p:nvPr>
+        </p:nvSpPr>
+        <p:spPr/>
+        <p:txBody>
+          <a:bodyPr/>
+          <a:lstStyle/>
+          <a:p>
+            <a:endParaRPr lang="es-CL"/>
+          </a:p>
+        </p:txBody>
+      </p:sp>
+    </p:spTree>
+    <p:extLst>
+      <p:ext uri="{BB962C8B-B14F-4D97-AF65-F5344CB8AC3E}">
+        <p14:creationId xmlns:p14="http://schemas.microsoft.com/office/powerpoint/2010/main" val="576590438"/>
+      </p:ext>
+    </p:extLst>
+  </p:cSld>
+  <p:clrMapOvr>
+    <a:masterClrMapping/>
+  </p:clrMapOvr>
+</p:sld>
+</file>
+
+<file path=ppt/slides/slide11.xml><?xml version="1.0" encoding="utf-8"?>
+<p:sld xmlns:a="http://schemas.openxmlformats.org/drawingml/2006/main" xmlns:r="http://schemas.openxmlformats.org/officeDocument/2006/relationships" xmlns:p="http://schemas.openxmlformats.org/presentationml/2006/main">
+  <p:cSld>
+    <p:spTree>
+      <p:nvGrpSpPr>
+        <p:cNvPr id="1" name=""/>
+        <p:cNvGrpSpPr/>
+        <p:nvPr/>
+      </p:nvGrpSpPr>
+      <p:grpSpPr>
+        <a:xfrm>
+          <a:off x="0" y="0"/>
+          <a:ext cx="0" cy="0"/>
+          <a:chOff x="0" y="0"/>
+          <a:chExt cx="0" cy="0"/>
+        </a:xfrm>
+      </p:grpSpPr>
+      <p:sp>
+        <p:nvSpPr>
+          <p:cNvPr id="2" name="Título 1">
+            <a:extLst>
+              <a:ext uri="{FF2B5EF4-FFF2-40B4-BE49-F238E27FC236}">
+                <a16:creationId xmlns:a16="http://schemas.microsoft.com/office/drawing/2014/main" id="{1E5D60E9-83B8-9A39-6FAF-8DB01F235D70}"/>
+              </a:ext>
+            </a:extLst>
+          </p:cNvPr>
+          <p:cNvSpPr>
+            <a:spLocks noGrp="1"/>
+          </p:cNvSpPr>
+          <p:nvPr>
+            <p:ph type="title"/>
+          </p:nvPr>
+        </p:nvSpPr>
+        <p:spPr/>
+        <p:txBody>
+          <a:bodyPr/>
+          <a:lstStyle/>
+          <a:p>
+            <a:r>
+              <a:rPr lang="es-CL" dirty="0"/>
+              <a:t>MODELO SCRUM</a:t>
+            </a:r>
+          </a:p>
+        </p:txBody>
+      </p:sp>
+      <p:sp>
+        <p:nvSpPr>
+          <p:cNvPr id="3" name="Marcador de contenido 2">
+            <a:extLst>
+              <a:ext uri="{FF2B5EF4-FFF2-40B4-BE49-F238E27FC236}">
+                <a16:creationId xmlns:a16="http://schemas.microsoft.com/office/drawing/2014/main" id="{C1CFC750-D7C3-E831-8502-98DE8D0728F2}"/>
+              </a:ext>
+            </a:extLst>
+          </p:cNvPr>
+          <p:cNvSpPr>
+            <a:spLocks noGrp="1"/>
+          </p:cNvSpPr>
+          <p:nvPr>
+            <p:ph idx="1"/>
+          </p:nvPr>
+        </p:nvSpPr>
+        <p:spPr/>
+        <p:txBody>
+          <a:bodyPr/>
+          <a:lstStyle/>
+          <a:p>
+            <a:endParaRPr lang="es-CL"/>
+          </a:p>
+        </p:txBody>
+      </p:sp>
+    </p:spTree>
+    <p:extLst>
+      <p:ext uri="{BB962C8B-B14F-4D97-AF65-F5344CB8AC3E}">
+        <p14:creationId xmlns:p14="http://schemas.microsoft.com/office/powerpoint/2010/main" val="2357676423"/>
+      </p:ext>
+    </p:extLst>
+  </p:cSld>
+  <p:clrMapOvr>
+    <a:masterClrMapping/>
+  </p:clrMapOvr>
+</p:sld>
+</file>
+
+<file path=ppt/slides/slide12.xml><?xml version="1.0" encoding="utf-8"?>
+<p:sld xmlns:a="http://schemas.openxmlformats.org/drawingml/2006/main" xmlns:r="http://schemas.openxmlformats.org/officeDocument/2006/relationships" xmlns:p="http://schemas.openxmlformats.org/presentationml/2006/main">
+  <p:cSld>
+    <p:spTree>
+      <p:nvGrpSpPr>
+        <p:cNvPr id="1" name=""/>
+        <p:cNvGrpSpPr/>
+        <p:nvPr/>
+      </p:nvGrpSpPr>
+      <p:grpSpPr>
+        <a:xfrm>
+          <a:off x="0" y="0"/>
+          <a:ext cx="0" cy="0"/>
+          <a:chOff x="0" y="0"/>
+          <a:chExt cx="0" cy="0"/>
+        </a:xfrm>
+      </p:grpSpPr>
+      <p:sp>
+        <p:nvSpPr>
+          <p:cNvPr id="2" name="Título 1">
+            <a:extLst>
+              <a:ext uri="{FF2B5EF4-FFF2-40B4-BE49-F238E27FC236}">
+                <a16:creationId xmlns:a16="http://schemas.microsoft.com/office/drawing/2014/main" id="{6E97A674-93BF-BC56-8DE4-FB301A321A07}"/>
+              </a:ext>
+            </a:extLst>
+          </p:cNvPr>
+          <p:cNvSpPr>
+            <a:spLocks noGrp="1"/>
+          </p:cNvSpPr>
+          <p:nvPr>
+            <p:ph type="title"/>
+          </p:nvPr>
+        </p:nvSpPr>
+        <p:spPr/>
+        <p:txBody>
+          <a:bodyPr/>
+          <a:lstStyle/>
+          <a:p>
+            <a:r>
+              <a:rPr lang="es-CL" dirty="0"/>
+              <a:t>KICK OFF</a:t>
+            </a:r>
+          </a:p>
+        </p:txBody>
+      </p:sp>
+      <p:sp>
+        <p:nvSpPr>
+          <p:cNvPr id="3" name="Marcador de contenido 2">
+            <a:extLst>
+              <a:ext uri="{FF2B5EF4-FFF2-40B4-BE49-F238E27FC236}">
+                <a16:creationId xmlns:a16="http://schemas.microsoft.com/office/drawing/2014/main" id="{B376CE1A-711D-420F-74E9-130668DCF657}"/>
+              </a:ext>
+            </a:extLst>
+          </p:cNvPr>
+          <p:cNvSpPr>
+            <a:spLocks noGrp="1"/>
+          </p:cNvSpPr>
+          <p:nvPr>
+            <p:ph idx="1"/>
+          </p:nvPr>
+        </p:nvSpPr>
+        <p:spPr/>
+        <p:txBody>
+          <a:bodyPr/>
+          <a:lstStyle/>
+          <a:p>
+            <a:endParaRPr lang="es-CL"/>
+          </a:p>
+        </p:txBody>
+      </p:sp>
+    </p:spTree>
+    <p:extLst>
+      <p:ext uri="{BB962C8B-B14F-4D97-AF65-F5344CB8AC3E}">
+        <p14:creationId xmlns:p14="http://schemas.microsoft.com/office/powerpoint/2010/main" val="3701615694"/>
+      </p:ext>
+    </p:extLst>
+  </p:cSld>
+  <p:clrMapOvr>
+    <a:masterClrMapping/>
+  </p:clrMapOvr>
+</p:sld>
+</file>
+
+<file path=ppt/slides/slide13.xml><?xml version="1.0" encoding="utf-8"?>
+<p:sld xmlns:a="http://schemas.openxmlformats.org/drawingml/2006/main" xmlns:r="http://schemas.openxmlformats.org/officeDocument/2006/relationships" xmlns:p="http://schemas.openxmlformats.org/presentationml/2006/main">
+  <p:cSld>
+    <p:spTree>
+      <p:nvGrpSpPr>
+        <p:cNvPr id="1" name=""/>
+        <p:cNvGrpSpPr/>
+        <p:nvPr/>
+      </p:nvGrpSpPr>
+      <p:grpSpPr>
+        <a:xfrm>
+          <a:off x="0" y="0"/>
+          <a:ext cx="0" cy="0"/>
+          <a:chOff x="0" y="0"/>
+          <a:chExt cx="0" cy="0"/>
+        </a:xfrm>
+      </p:grpSpPr>
+      <p:sp>
+        <p:nvSpPr>
+          <p:cNvPr id="2" name="Título 1">
+            <a:extLst>
+              <a:ext uri="{FF2B5EF4-FFF2-40B4-BE49-F238E27FC236}">
+                <a16:creationId xmlns:a16="http://schemas.microsoft.com/office/drawing/2014/main" id="{4D30F738-3800-4E60-1125-0EE41D3CC4FF}"/>
+              </a:ext>
+            </a:extLst>
+          </p:cNvPr>
+          <p:cNvSpPr>
+            <a:spLocks noGrp="1"/>
+          </p:cNvSpPr>
+          <p:nvPr>
+            <p:ph type="title"/>
+          </p:nvPr>
+        </p:nvSpPr>
+        <p:spPr/>
+        <p:txBody>
+          <a:bodyPr/>
+          <a:lstStyle/>
+          <a:p>
+            <a:r>
+              <a:rPr lang="es-CL" dirty="0"/>
+              <a:t>COSTOS TIR ???</a:t>
+            </a:r>
+          </a:p>
+        </p:txBody>
+      </p:sp>
+      <p:sp>
+        <p:nvSpPr>
+          <p:cNvPr id="3" name="Marcador de contenido 2">
+            <a:extLst>
+              <a:ext uri="{FF2B5EF4-FFF2-40B4-BE49-F238E27FC236}">
+                <a16:creationId xmlns:a16="http://schemas.microsoft.com/office/drawing/2014/main" id="{2EE25D0B-099A-3EE0-2C22-E89456DE9F84}"/>
+              </a:ext>
+            </a:extLst>
+          </p:cNvPr>
+          <p:cNvSpPr>
+            <a:spLocks noGrp="1"/>
+          </p:cNvSpPr>
+          <p:nvPr>
+            <p:ph idx="1"/>
+          </p:nvPr>
+        </p:nvSpPr>
+        <p:spPr/>
+        <p:txBody>
+          <a:bodyPr/>
+          <a:lstStyle/>
+          <a:p>
+            <a:endParaRPr lang="es-CL"/>
+          </a:p>
+        </p:txBody>
+      </p:sp>
+    </p:spTree>
+    <p:extLst>
+      <p:ext uri="{BB962C8B-B14F-4D97-AF65-F5344CB8AC3E}">
+        <p14:creationId xmlns:p14="http://schemas.microsoft.com/office/powerpoint/2010/main" val="3787234426"/>
+      </p:ext>
+    </p:extLst>
+  </p:cSld>
+  <p:clrMapOvr>
+    <a:masterClrMapping/>
+  </p:clrMapOvr>
+</p:sld>
+</file>
+
+<file path=ppt/slides/slide14.xml><?xml version="1.0" encoding="utf-8"?>
+<p:sld xmlns:a="http://schemas.openxmlformats.org/drawingml/2006/main" xmlns:r="http://schemas.openxmlformats.org/officeDocument/2006/relationships" xmlns:p="http://schemas.openxmlformats.org/presentationml/2006/main">
+  <p:cSld>
+    <p:spTree>
+      <p:nvGrpSpPr>
+        <p:cNvPr id="1" name=""/>
+        <p:cNvGrpSpPr/>
+        <p:nvPr/>
+      </p:nvGrpSpPr>
+      <p:grpSpPr>
+        <a:xfrm>
+          <a:off x="0" y="0"/>
+          <a:ext cx="0" cy="0"/>
+          <a:chOff x="0" y="0"/>
+          <a:chExt cx="0" cy="0"/>
+        </a:xfrm>
+      </p:grpSpPr>
+      <p:sp>
+        <p:nvSpPr>
+          <p:cNvPr id="2" name="Título 1">
+            <a:extLst>
+              <a:ext uri="{FF2B5EF4-FFF2-40B4-BE49-F238E27FC236}">
+                <a16:creationId xmlns:a16="http://schemas.microsoft.com/office/drawing/2014/main" id="{368EC27B-2747-DB79-E069-E9FD831B2F3D}"/>
+              </a:ext>
+            </a:extLst>
+          </p:cNvPr>
+          <p:cNvSpPr>
+            <a:spLocks noGrp="1"/>
+          </p:cNvSpPr>
+          <p:nvPr>
+            <p:ph type="title"/>
+          </p:nvPr>
+        </p:nvSpPr>
+        <p:spPr/>
+        <p:txBody>
+          <a:bodyPr/>
+          <a:lstStyle/>
+          <a:p>
+            <a:r>
+              <a:rPr lang="es-CL" dirty="0"/>
+              <a:t>RESULTADO ESPERADO</a:t>
+            </a:r>
+          </a:p>
+        </p:txBody>
+      </p:sp>
+      <p:sp>
+        <p:nvSpPr>
+          <p:cNvPr id="3" name="Marcador de contenido 2">
+            <a:extLst>
+              <a:ext uri="{FF2B5EF4-FFF2-40B4-BE49-F238E27FC236}">
+                <a16:creationId xmlns:a16="http://schemas.microsoft.com/office/drawing/2014/main" id="{FA90CD3E-92F3-C9D1-2E83-C95AF387DD7F}"/>
+              </a:ext>
+            </a:extLst>
+          </p:cNvPr>
+          <p:cNvSpPr>
+            <a:spLocks noGrp="1"/>
+          </p:cNvSpPr>
+          <p:nvPr>
+            <p:ph idx="1"/>
+          </p:nvPr>
+        </p:nvSpPr>
+        <p:spPr/>
+        <p:txBody>
+          <a:bodyPr/>
+          <a:lstStyle/>
+          <a:p>
+            <a:endParaRPr lang="es-CL"/>
+          </a:p>
+        </p:txBody>
+      </p:sp>
+    </p:spTree>
+    <p:extLst>
+      <p:ext uri="{BB962C8B-B14F-4D97-AF65-F5344CB8AC3E}">
+        <p14:creationId xmlns:p14="http://schemas.microsoft.com/office/powerpoint/2010/main" val="3594701672"/>
+      </p:ext>
+    </p:extLst>
+  </p:cSld>
+  <p:clrMapOvr>
+    <a:masterClrMapping/>
+  </p:clrMapOvr>
+</p:sld>
+</file>
+
 <file path=ppt/slides/slide2.xml><?xml version="1.0" encoding="utf-8"?>
 <p:sld xmlns:a="http://schemas.openxmlformats.org/drawingml/2006/main" xmlns:r="http://schemas.openxmlformats.org/officeDocument/2006/relationships" xmlns:p="http://schemas.openxmlformats.org/presentationml/2006/main">
   <p:cSld>
@@ -6552,8 +6979,8 @@
         </p:nvSpPr>
         <p:spPr>
           <a:xfrm>
-            <a:off x="548640" y="950976"/>
-            <a:ext cx="5409247" cy="1766587"/>
+            <a:off x="548640" y="950977"/>
+            <a:ext cx="5435676" cy="807160"/>
           </a:xfrm>
         </p:spPr>
         <p:txBody>
@@ -8915,6 +9342,89 @@
           <p:cNvPr id="2" name="Título 1">
             <a:extLst>
               <a:ext uri="{FF2B5EF4-FFF2-40B4-BE49-F238E27FC236}">
+                <a16:creationId xmlns:a16="http://schemas.microsoft.com/office/drawing/2014/main" id="{E632EBBE-0B5E-174A-6CED-D4655B33745D}"/>
+              </a:ext>
+            </a:extLst>
+          </p:cNvPr>
+          <p:cNvSpPr>
+            <a:spLocks noGrp="1"/>
+          </p:cNvSpPr>
+          <p:nvPr>
+            <p:ph type="title"/>
+          </p:nvPr>
+        </p:nvSpPr>
+        <p:spPr/>
+        <p:txBody>
+          <a:bodyPr/>
+          <a:lstStyle/>
+          <a:p>
+            <a:r>
+              <a:rPr lang="es-CL" dirty="0"/>
+              <a:t>AS IS </a:t>
+            </a:r>
+          </a:p>
+        </p:txBody>
+      </p:sp>
+      <p:sp>
+        <p:nvSpPr>
+          <p:cNvPr id="3" name="Marcador de contenido 2">
+            <a:extLst>
+              <a:ext uri="{FF2B5EF4-FFF2-40B4-BE49-F238E27FC236}">
+                <a16:creationId xmlns:a16="http://schemas.microsoft.com/office/drawing/2014/main" id="{9D04B524-FB4A-5631-F92F-DD64FE83811B}"/>
+              </a:ext>
+            </a:extLst>
+          </p:cNvPr>
+          <p:cNvSpPr>
+            <a:spLocks noGrp="1"/>
+          </p:cNvSpPr>
+          <p:nvPr>
+            <p:ph idx="1"/>
+          </p:nvPr>
+        </p:nvSpPr>
+        <p:spPr/>
+        <p:txBody>
+          <a:bodyPr/>
+          <a:lstStyle/>
+          <a:p>
+            <a:endParaRPr lang="es-CL"/>
+          </a:p>
+        </p:txBody>
+      </p:sp>
+    </p:spTree>
+    <p:extLst>
+      <p:ext uri="{BB962C8B-B14F-4D97-AF65-F5344CB8AC3E}">
+        <p14:creationId xmlns:p14="http://schemas.microsoft.com/office/powerpoint/2010/main" val="1488470520"/>
+      </p:ext>
+    </p:extLst>
+  </p:cSld>
+  <p:clrMapOvr>
+    <a:masterClrMapping/>
+  </p:clrMapOvr>
+</p:sld>
+</file>
+
+<file path=ppt/slides/slide8.xml><?xml version="1.0" encoding="utf-8"?>
+<p:sld xmlns:a="http://schemas.openxmlformats.org/drawingml/2006/main" xmlns:r="http://schemas.openxmlformats.org/officeDocument/2006/relationships" xmlns:p="http://schemas.openxmlformats.org/presentationml/2006/main">
+  <p:cSld>
+    <p:spTree>
+      <p:nvGrpSpPr>
+        <p:cNvPr id="1" name=""/>
+        <p:cNvGrpSpPr/>
+        <p:nvPr/>
+      </p:nvGrpSpPr>
+      <p:grpSpPr>
+        <a:xfrm>
+          <a:off x="0" y="0"/>
+          <a:ext cx="0" cy="0"/>
+          <a:chOff x="0" y="0"/>
+          <a:chExt cx="0" cy="0"/>
+        </a:xfrm>
+      </p:grpSpPr>
+      <p:sp>
+        <p:nvSpPr>
+          <p:cNvPr id="2" name="Título 1">
+            <a:extLst>
+              <a:ext uri="{FF2B5EF4-FFF2-40B4-BE49-F238E27FC236}">
                 <a16:creationId xmlns:a16="http://schemas.microsoft.com/office/drawing/2014/main" id="{E860DEAC-DE85-DAF6-D9BC-76F4F0BD860B}"/>
               </a:ext>
             </a:extLst>
@@ -9614,6 +10124,89 @@
     <p:extLst>
       <p:ext uri="{BB962C8B-B14F-4D97-AF65-F5344CB8AC3E}">
         <p14:creationId xmlns:p14="http://schemas.microsoft.com/office/powerpoint/2010/main" val="1654271067"/>
+      </p:ext>
+    </p:extLst>
+  </p:cSld>
+  <p:clrMapOvr>
+    <a:masterClrMapping/>
+  </p:clrMapOvr>
+</p:sld>
+</file>
+
+<file path=ppt/slides/slide9.xml><?xml version="1.0" encoding="utf-8"?>
+<p:sld xmlns:a="http://schemas.openxmlformats.org/drawingml/2006/main" xmlns:r="http://schemas.openxmlformats.org/officeDocument/2006/relationships" xmlns:p="http://schemas.openxmlformats.org/presentationml/2006/main">
+  <p:cSld>
+    <p:spTree>
+      <p:nvGrpSpPr>
+        <p:cNvPr id="1" name=""/>
+        <p:cNvGrpSpPr/>
+        <p:nvPr/>
+      </p:nvGrpSpPr>
+      <p:grpSpPr>
+        <a:xfrm>
+          <a:off x="0" y="0"/>
+          <a:ext cx="0" cy="0"/>
+          <a:chOff x="0" y="0"/>
+          <a:chExt cx="0" cy="0"/>
+        </a:xfrm>
+      </p:grpSpPr>
+      <p:sp>
+        <p:nvSpPr>
+          <p:cNvPr id="2" name="Título 1">
+            <a:extLst>
+              <a:ext uri="{FF2B5EF4-FFF2-40B4-BE49-F238E27FC236}">
+                <a16:creationId xmlns:a16="http://schemas.microsoft.com/office/drawing/2014/main" id="{E17C568A-CCC3-065F-1CA6-041D0ECDD491}"/>
+              </a:ext>
+            </a:extLst>
+          </p:cNvPr>
+          <p:cNvSpPr>
+            <a:spLocks noGrp="1"/>
+          </p:cNvSpPr>
+          <p:nvPr>
+            <p:ph type="title"/>
+          </p:nvPr>
+        </p:nvSpPr>
+        <p:spPr/>
+        <p:txBody>
+          <a:bodyPr/>
+          <a:lstStyle/>
+          <a:p>
+            <a:r>
+              <a:rPr lang="es-CL" dirty="0"/>
+              <a:t>ALCANCES</a:t>
+            </a:r>
+          </a:p>
+        </p:txBody>
+      </p:sp>
+      <p:sp>
+        <p:nvSpPr>
+          <p:cNvPr id="3" name="Marcador de contenido 2">
+            <a:extLst>
+              <a:ext uri="{FF2B5EF4-FFF2-40B4-BE49-F238E27FC236}">
+                <a16:creationId xmlns:a16="http://schemas.microsoft.com/office/drawing/2014/main" id="{8EF93908-4F4B-21DC-4580-FCF0F5AC771C}"/>
+              </a:ext>
+            </a:extLst>
+          </p:cNvPr>
+          <p:cNvSpPr>
+            <a:spLocks noGrp="1"/>
+          </p:cNvSpPr>
+          <p:nvPr>
+            <p:ph idx="1"/>
+          </p:nvPr>
+        </p:nvSpPr>
+        <p:spPr/>
+        <p:txBody>
+          <a:bodyPr/>
+          <a:lstStyle/>
+          <a:p>
+            <a:endParaRPr lang="es-CL" dirty="0"/>
+          </a:p>
+        </p:txBody>
+      </p:sp>
+    </p:spTree>
+    <p:extLst>
+      <p:ext uri="{BB962C8B-B14F-4D97-AF65-F5344CB8AC3E}">
+        <p14:creationId xmlns:p14="http://schemas.microsoft.com/office/powerpoint/2010/main" val="2198398623"/>
       </p:ext>
     </p:extLst>
   </p:cSld>
